--- a/ISEF/Poster/VivekPoster.pptx
+++ b/ISEF/Poster/VivekPoster.pptx
@@ -197,7 +197,7 @@
           <a:p>
             <a:fld id="{F5B22F11-7A65-46FF-9627-121CDAB476F2}" type="datetimeFigureOut">
               <a:rPr lang="en-US" smtClean="0"/>
-              <a:t>4/22/2016</a:t>
+              <a:t>5/4/2016</a:t>
             </a:fld>
             <a:endParaRPr lang="en-US"/>
           </a:p>
@@ -680,7 +680,7 @@
           <a:p>
             <a:fld id="{679D5889-E161-4864-843A-D8F61691300C}" type="datetimeFigureOut">
               <a:rPr lang="en-US" smtClean="0"/>
-              <a:t>4/22/2016</a:t>
+              <a:t>5/4/2016</a:t>
             </a:fld>
             <a:endParaRPr lang="en-US"/>
           </a:p>
@@ -850,7 +850,7 @@
           <a:p>
             <a:fld id="{679D5889-E161-4864-843A-D8F61691300C}" type="datetimeFigureOut">
               <a:rPr lang="en-US" smtClean="0"/>
-              <a:t>4/22/2016</a:t>
+              <a:t>5/4/2016</a:t>
             </a:fld>
             <a:endParaRPr lang="en-US"/>
           </a:p>
@@ -1030,7 +1030,7 @@
           <a:p>
             <a:fld id="{679D5889-E161-4864-843A-D8F61691300C}" type="datetimeFigureOut">
               <a:rPr lang="en-US" smtClean="0"/>
-              <a:t>4/22/2016</a:t>
+              <a:t>5/4/2016</a:t>
             </a:fld>
             <a:endParaRPr lang="en-US"/>
           </a:p>
@@ -1200,7 +1200,7 @@
           <a:p>
             <a:fld id="{679D5889-E161-4864-843A-D8F61691300C}" type="datetimeFigureOut">
               <a:rPr lang="en-US" smtClean="0"/>
-              <a:t>4/22/2016</a:t>
+              <a:t>5/4/2016</a:t>
             </a:fld>
             <a:endParaRPr lang="en-US"/>
           </a:p>
@@ -1444,7 +1444,7 @@
           <a:p>
             <a:fld id="{679D5889-E161-4864-843A-D8F61691300C}" type="datetimeFigureOut">
               <a:rPr lang="en-US" smtClean="0"/>
-              <a:t>4/22/2016</a:t>
+              <a:t>5/4/2016</a:t>
             </a:fld>
             <a:endParaRPr lang="en-US"/>
           </a:p>
@@ -1676,7 +1676,7 @@
           <a:p>
             <a:fld id="{679D5889-E161-4864-843A-D8F61691300C}" type="datetimeFigureOut">
               <a:rPr lang="en-US" smtClean="0"/>
-              <a:t>4/22/2016</a:t>
+              <a:t>5/4/2016</a:t>
             </a:fld>
             <a:endParaRPr lang="en-US"/>
           </a:p>
@@ -2043,7 +2043,7 @@
           <a:p>
             <a:fld id="{679D5889-E161-4864-843A-D8F61691300C}" type="datetimeFigureOut">
               <a:rPr lang="en-US" smtClean="0"/>
-              <a:t>4/22/2016</a:t>
+              <a:t>5/4/2016</a:t>
             </a:fld>
             <a:endParaRPr lang="en-US"/>
           </a:p>
@@ -2161,7 +2161,7 @@
           <a:p>
             <a:fld id="{679D5889-E161-4864-843A-D8F61691300C}" type="datetimeFigureOut">
               <a:rPr lang="en-US" smtClean="0"/>
-              <a:t>4/22/2016</a:t>
+              <a:t>5/4/2016</a:t>
             </a:fld>
             <a:endParaRPr lang="en-US"/>
           </a:p>
@@ -2256,7 +2256,7 @@
           <a:p>
             <a:fld id="{679D5889-E161-4864-843A-D8F61691300C}" type="datetimeFigureOut">
               <a:rPr lang="en-US" smtClean="0"/>
-              <a:t>4/22/2016</a:t>
+              <a:t>5/4/2016</a:t>
             </a:fld>
             <a:endParaRPr lang="en-US"/>
           </a:p>
@@ -2533,7 +2533,7 @@
           <a:p>
             <a:fld id="{679D5889-E161-4864-843A-D8F61691300C}" type="datetimeFigureOut">
               <a:rPr lang="en-US" smtClean="0"/>
-              <a:t>4/22/2016</a:t>
+              <a:t>5/4/2016</a:t>
             </a:fld>
             <a:endParaRPr lang="en-US"/>
           </a:p>
@@ -2790,7 +2790,7 @@
           <a:p>
             <a:fld id="{679D5889-E161-4864-843A-D8F61691300C}" type="datetimeFigureOut">
               <a:rPr lang="en-US" smtClean="0"/>
-              <a:t>4/22/2016</a:t>
+              <a:t>5/4/2016</a:t>
             </a:fld>
             <a:endParaRPr lang="en-US"/>
           </a:p>
@@ -3003,7 +3003,7 @@
           <a:p>
             <a:fld id="{679D5889-E161-4864-843A-D8F61691300C}" type="datetimeFigureOut">
               <a:rPr lang="en-US" smtClean="0"/>
-              <a:t>4/22/2016</a:t>
+              <a:t>5/4/2016</a:t>
             </a:fld>
             <a:endParaRPr lang="en-US"/>
           </a:p>
@@ -3417,7 +3417,7 @@
         <p:spPr>
           <a:xfrm>
             <a:off x="751475" y="6922211"/>
-            <a:ext cx="9601200" cy="19792053"/>
+            <a:ext cx="9601200" cy="20667042"/>
           </a:xfrm>
           <a:prstGeom prst="rect">
             <a:avLst/>
@@ -3622,8 +3622,8 @@
         </p:nvSpPr>
         <p:spPr>
           <a:xfrm>
-            <a:off x="719209" y="472091"/>
-            <a:ext cx="9601200" cy="5597095"/>
+            <a:off x="728662" y="576301"/>
+            <a:ext cx="9601200" cy="5896033"/>
           </a:xfrm>
           <a:prstGeom prst="rect">
             <a:avLst/>
@@ -3784,8 +3784,8 @@
         </p:blipFill>
         <p:spPr bwMode="auto">
           <a:xfrm>
-            <a:off x="6214265" y="12599358"/>
-            <a:ext cx="3606010" cy="4115065"/>
+            <a:off x="12454441" y="27633355"/>
+            <a:ext cx="2324126" cy="2784075"/>
           </a:xfrm>
           <a:prstGeom prst="rect">
             <a:avLst/>
@@ -3820,23 +3820,26 @@
           <a:p>
             <a:pPr algn="just"/>
             <a:r>
-              <a:rPr lang="en-US" sz="2400" dirty="0">
-                <a:latin typeface="Garamond" panose="02020404030301010803" pitchFamily="18" charset="0"/>
-              </a:rPr>
-              <a:t>In humans, HIV attacks </a:t>
-            </a:r>
-            <a:r>
               <a:rPr lang="en-US" sz="2400" dirty="0" smtClean="0">
                 <a:latin typeface="Garamond" panose="02020404030301010803" pitchFamily="18" charset="0"/>
               </a:rPr>
-              <a:t>the </a:t>
-            </a:r>
-            <a:r>
-              <a:rPr lang="en-US" sz="2400" dirty="0">
-                <a:latin typeface="Garamond" panose="02020404030301010803" pitchFamily="18" charset="0"/>
-              </a:rPr>
-              <a:t>body’s immune system, specifically the CD4 cells (T cells), which help the immune system fight off infections. If left untreated, HIV reduces the number of CD4 cells (T cells), getting to a point where the body can’t fight off infections and diseases. AIDS is defined as the stage of HIV infection when your CD4 counts fall below 200 cells per cubic millimeter of blood.</a:t>
-            </a:r>
+              <a:t>In humans, HIV attacks the body’s immune system, specifically the CD4 cells (T cells), which help the immune system fight off infections. If left untreated, HIV reduces the number of CD4 cells (T cells), getting to a point where the body can’t fight off infections and diseases. </a:t>
+            </a:r>
+            <a:r>
+              <a:rPr lang="en-US" sz="2400" b="1" dirty="0" smtClean="0">
+                <a:latin typeface="Garamond" panose="02020404030301010803" pitchFamily="18" charset="0"/>
+              </a:rPr>
+              <a:t>AIDS</a:t>
+            </a:r>
+            <a:r>
+              <a:rPr lang="en-US" sz="2400" dirty="0" smtClean="0">
+                <a:latin typeface="Garamond" panose="02020404030301010803" pitchFamily="18" charset="0"/>
+              </a:rPr>
+              <a:t> is defined as the stage of HIV infection when your CD4 counts fall below 200 cells per cubic millimeter of blood.</a:t>
+            </a:r>
+            <a:endParaRPr lang="en-US" sz="2400" dirty="0">
+              <a:latin typeface="Garamond" panose="02020404030301010803" pitchFamily="18" charset="0"/>
+            </a:endParaRPr>
           </a:p>
         </p:txBody>
       </p:sp>
@@ -3903,7 +3906,19 @@
               <a:rPr lang="en-US" sz="2400" dirty="0">
                 <a:latin typeface="Garamond" panose="02020404030301010803" pitchFamily="18" charset="0"/>
               </a:rPr>
-              <a:t>, is a relatively new pandemic, responsible for causing AIDS and killing millions of people around the world. It belongs to a family of retroviruses known as lentiviruses, which are found in a number of non-human primates.</a:t>
+              <a:t>, is a relatively new pandemic, responsible for causing AIDS and killing </a:t>
+            </a:r>
+            <a:r>
+              <a:rPr lang="en-US" sz="2400" dirty="0" smtClean="0">
+                <a:latin typeface="Garamond" panose="02020404030301010803" pitchFamily="18" charset="0"/>
+              </a:rPr>
+              <a:t>almost 40 million </a:t>
+            </a:r>
+            <a:r>
+              <a:rPr lang="en-US" sz="2400" dirty="0">
+                <a:latin typeface="Garamond" panose="02020404030301010803" pitchFamily="18" charset="0"/>
+              </a:rPr>
+              <a:t>people around the world. It belongs to a family of retroviruses known as lentiviruses, which are found in a number of non-human primates.</a:t>
             </a:r>
           </a:p>
         </p:txBody>
@@ -3916,7 +3931,7 @@
         </p:nvSpPr>
         <p:spPr>
           <a:xfrm>
-            <a:off x="1112570" y="17148906"/>
+            <a:off x="1112568" y="17098171"/>
             <a:ext cx="8753332" cy="1569660"/>
           </a:xfrm>
           <a:prstGeom prst="rect">
@@ -3948,7 +3963,7 @@
         </p:nvSpPr>
         <p:spPr>
           <a:xfrm>
-            <a:off x="5227714" y="18982383"/>
+            <a:off x="5227714" y="18848040"/>
             <a:ext cx="4896337" cy="3416320"/>
           </a:xfrm>
           <a:prstGeom prst="rect">
@@ -4016,8 +4031,8 @@
         </p:nvSpPr>
         <p:spPr>
           <a:xfrm>
-            <a:off x="1199427" y="22670978"/>
-            <a:ext cx="8924624" cy="3785652"/>
+            <a:off x="1133725" y="22454139"/>
+            <a:ext cx="8924624" cy="4893647"/>
           </a:xfrm>
           <a:prstGeom prst="rect">
             <a:avLst/>
@@ -4035,38 +4050,17 @@
               <a:rPr lang="en-US" sz="2400" dirty="0" smtClean="0">
                 <a:latin typeface="Garamond" panose="02020404030301010803" pitchFamily="18" charset="0"/>
               </a:rPr>
-              <a:t>However, many of the trees are of either low or unpublished bootstrap and/or posterior probability, both of which are indicators of a strong tree. Much focus has also been put on tracking the subtypes of HIV-1 and 2 more common in the Western world, and not so much in the rest of the world</a:t>
-            </a:r>
-            <a:r>
-              <a:rPr lang="en-US" sz="2400" dirty="0">
-                <a:latin typeface="Garamond" panose="02020404030301010803" pitchFamily="18" charset="0"/>
-              </a:rPr>
-              <a:t>. As a result, a decision was made </a:t>
+              <a:t>However,  the focus of these trees has long been on the Western World or Central Africa, the virus’s predicted location of origin; v</a:t>
             </a:r>
             <a:r>
               <a:rPr lang="en-US" sz="2400" dirty="0" smtClean="0">
                 <a:latin typeface="Garamond" panose="02020404030301010803" pitchFamily="18" charset="0"/>
               </a:rPr>
-              <a:t>to attempt to create  </a:t>
-            </a:r>
-            <a:r>
-              <a:rPr lang="en-US" sz="2400" dirty="0">
-                <a:latin typeface="Garamond" panose="02020404030301010803" pitchFamily="18" charset="0"/>
-              </a:rPr>
-              <a:t>a very well-supported tree with HIV-1, HIV-2 and SIV sequences from West Africa, where the disease </a:t>
-            </a:r>
-            <a:r>
-              <a:rPr lang="en-US" sz="2400" dirty="0" smtClean="0">
-                <a:latin typeface="Garamond" panose="02020404030301010803" pitchFamily="18" charset="0"/>
-              </a:rPr>
-              <a:t>is thought to </a:t>
-            </a:r>
-            <a:r>
-              <a:rPr lang="en-US" sz="2400" dirty="0">
-                <a:latin typeface="Garamond" panose="02020404030301010803" pitchFamily="18" charset="0"/>
-              </a:rPr>
-              <a:t>have originated. With succinct evolutionary relationships, medicine and treatments can be focused on unchanging or weak areas in the virus.</a:t>
-            </a:r>
+              <a:t>ery few trees have been published documenting strains of HIV in Western Africa, which is both the major population center of the industrializing continent and home to unique strains of SIV, HIV-1, and HIV-2. And of the trees that have been published documenting this region, all are of either low or unpublished bootstrap and/or posterior probability, both of which are indicators of a strong tree. As a result, a decision was made to attempt to create a well-supported tree with SIV, HIV-1, and HIV-2 sequences solely from West Africa. From the trees, succinct evolutionary and geographic relationships between strains can be found and medicine and treatments can be developed to focus on unchanging or weak areas in the virus.</a:t>
+            </a:r>
+            <a:endParaRPr lang="en-US" sz="2400" dirty="0">
+              <a:latin typeface="Garamond" panose="02020404030301010803" pitchFamily="18" charset="0"/>
+            </a:endParaRPr>
           </a:p>
           <a:p>
             <a:pPr algn="just"/>
@@ -4084,8 +4078,8 @@
         </p:nvSpPr>
         <p:spPr>
           <a:xfrm>
-            <a:off x="762000" y="27418495"/>
-            <a:ext cx="9601200" cy="5442755"/>
+            <a:off x="728662" y="28286779"/>
+            <a:ext cx="9601200" cy="5036456"/>
           </a:xfrm>
           <a:prstGeom prst="rect">
             <a:avLst/>
@@ -4132,8 +4126,8 @@
         </p:nvSpPr>
         <p:spPr>
           <a:xfrm>
-            <a:off x="751475" y="33560352"/>
-            <a:ext cx="9601200" cy="9622925"/>
+            <a:off x="751475" y="34020761"/>
+            <a:ext cx="9601200" cy="9162516"/>
           </a:xfrm>
           <a:prstGeom prst="rect">
             <a:avLst/>
@@ -4195,8 +4189,8 @@
         </p:blipFill>
         <p:spPr bwMode="auto">
           <a:xfrm>
-            <a:off x="1127258" y="19046257"/>
-            <a:ext cx="3871832" cy="2925619"/>
+            <a:off x="1194874" y="19046258"/>
+            <a:ext cx="3804215" cy="2797696"/>
           </a:xfrm>
           <a:prstGeom prst="rect">
             <a:avLst/>
@@ -4222,7 +4216,7 @@
         <p:spPr>
           <a:xfrm>
             <a:off x="33615616" y="498905"/>
-            <a:ext cx="9601200" cy="20498597"/>
+            <a:ext cx="9601200" cy="21049923"/>
           </a:xfrm>
           <a:prstGeom prst="rect">
             <a:avLst/>
@@ -4269,8 +4263,8 @@
         </p:nvSpPr>
         <p:spPr>
           <a:xfrm>
-            <a:off x="33574994" y="21697989"/>
-            <a:ext cx="9601200" cy="10778628"/>
+            <a:off x="33574994" y="22250651"/>
+            <a:ext cx="9601200" cy="10225966"/>
           </a:xfrm>
           <a:prstGeom prst="rect">
             <a:avLst/>
@@ -4365,7 +4359,7 @@
         </p:nvSpPr>
         <p:spPr>
           <a:xfrm>
-            <a:off x="1545997" y="1010868"/>
+            <a:off x="1545800" y="970778"/>
             <a:ext cx="7957005" cy="1260052"/>
           </a:xfrm>
           <a:prstGeom prst="rect">
@@ -4413,7 +4407,7 @@
         </p:nvSpPr>
         <p:spPr>
           <a:xfrm>
-            <a:off x="1724024" y="1086552"/>
+            <a:off x="1724024" y="1047447"/>
             <a:ext cx="7562850" cy="1107996"/>
           </a:xfrm>
           <a:prstGeom prst="rect">
@@ -4463,7 +4457,7 @@
         </p:nvCxnSpPr>
         <p:spPr>
           <a:xfrm>
-            <a:off x="1238250" y="847256"/>
+            <a:off x="1228795" y="818212"/>
             <a:ext cx="8582025" cy="0"/>
           </a:xfrm>
           <a:prstGeom prst="line">
@@ -4494,7 +4488,7 @@
         </p:nvCxnSpPr>
         <p:spPr>
           <a:xfrm>
-            <a:off x="1283877" y="2463773"/>
+            <a:off x="1283875" y="2352927"/>
             <a:ext cx="8582025" cy="0"/>
           </a:xfrm>
           <a:prstGeom prst="line">
@@ -4853,7 +4847,7 @@
         </p:nvSpPr>
         <p:spPr>
           <a:xfrm>
-            <a:off x="1322156" y="29899963"/>
+            <a:off x="1305025" y="30581238"/>
             <a:ext cx="8582025" cy="2585323"/>
           </a:xfrm>
           <a:prstGeom prst="rect">
@@ -4887,7 +4881,7 @@
         </p:nvSpPr>
         <p:spPr>
           <a:xfrm>
-            <a:off x="34437710" y="22357156"/>
+            <a:off x="34437710" y="22890983"/>
             <a:ext cx="7957005" cy="1260052"/>
           </a:xfrm>
           <a:prstGeom prst="rect">
@@ -4935,7 +4929,7 @@
         </p:nvCxnSpPr>
         <p:spPr>
           <a:xfrm>
-            <a:off x="34125201" y="23985947"/>
+            <a:off x="34125201" y="24335837"/>
             <a:ext cx="8582025" cy="0"/>
           </a:xfrm>
           <a:prstGeom prst="line">
@@ -4970,7 +4964,7 @@
         </p:nvCxnSpPr>
         <p:spPr>
           <a:xfrm>
-            <a:off x="34097171" y="22121812"/>
+            <a:off x="34169648" y="22674262"/>
             <a:ext cx="8582025" cy="0"/>
           </a:xfrm>
           <a:prstGeom prst="line">
@@ -5005,7 +4999,7 @@
         </p:nvSpPr>
         <p:spPr>
           <a:xfrm>
-            <a:off x="1495142" y="28154970"/>
+            <a:off x="1596386" y="28891239"/>
             <a:ext cx="7957005" cy="1260052"/>
           </a:xfrm>
           <a:prstGeom prst="rect">
@@ -5051,7 +5045,7 @@
         </p:nvCxnSpPr>
         <p:spPr>
           <a:xfrm>
-            <a:off x="1322155" y="27903415"/>
+            <a:off x="1283875" y="28703252"/>
             <a:ext cx="8582025" cy="0"/>
           </a:xfrm>
           <a:prstGeom prst="line">
@@ -5086,7 +5080,7 @@
         </p:nvCxnSpPr>
         <p:spPr>
           <a:xfrm>
-            <a:off x="1214436" y="29607576"/>
+            <a:off x="1228795" y="30304261"/>
             <a:ext cx="8582025" cy="0"/>
           </a:xfrm>
           <a:prstGeom prst="line">
@@ -5121,7 +5115,7 @@
         </p:nvSpPr>
         <p:spPr>
           <a:xfrm>
-            <a:off x="1611297" y="28235824"/>
+            <a:off x="1785748" y="28962003"/>
             <a:ext cx="7724696" cy="1107996"/>
           </a:xfrm>
           <a:prstGeom prst="rect">
@@ -5171,7 +5165,7 @@
         </p:nvSpPr>
         <p:spPr>
           <a:xfrm>
-            <a:off x="1526945" y="34269737"/>
+            <a:off x="1541306" y="34788137"/>
             <a:ext cx="7957005" cy="1260052"/>
           </a:xfrm>
           <a:prstGeom prst="rect">
@@ -5217,7 +5211,7 @@
         </p:nvCxnSpPr>
         <p:spPr>
           <a:xfrm>
-            <a:off x="1214436" y="35730447"/>
+            <a:off x="1182631" y="36236537"/>
             <a:ext cx="8582025" cy="0"/>
           </a:xfrm>
           <a:prstGeom prst="line">
@@ -5252,7 +5246,7 @@
         </p:nvCxnSpPr>
         <p:spPr>
           <a:xfrm>
-            <a:off x="1198255" y="34106103"/>
+            <a:off x="1214436" y="34538746"/>
             <a:ext cx="8582025" cy="0"/>
           </a:xfrm>
           <a:prstGeom prst="line">
@@ -5287,7 +5281,7 @@
         </p:nvSpPr>
         <p:spPr>
           <a:xfrm>
-            <a:off x="1707842" y="34310167"/>
+            <a:off x="1669594" y="34864165"/>
             <a:ext cx="7562850" cy="1107996"/>
           </a:xfrm>
           <a:prstGeom prst="rect">
@@ -5523,7 +5517,7 @@
         </p:nvSpPr>
         <p:spPr>
           <a:xfrm>
-            <a:off x="34679234" y="22433204"/>
+            <a:off x="34606758" y="23002799"/>
             <a:ext cx="7562850" cy="1107996"/>
           </a:xfrm>
           <a:prstGeom prst="rect">
@@ -5621,7 +5615,7 @@
         </p:nvSpPr>
         <p:spPr>
           <a:xfrm>
-            <a:off x="12867290" y="3294465"/>
+            <a:off x="12867288" y="3162391"/>
             <a:ext cx="7957005" cy="1260052"/>
           </a:xfrm>
           <a:prstGeom prst="rect">
@@ -5669,7 +5663,7 @@
         </p:nvSpPr>
         <p:spPr>
           <a:xfrm>
-            <a:off x="13064367" y="3399572"/>
+            <a:off x="13048256" y="3232059"/>
             <a:ext cx="7562850" cy="1107996"/>
           </a:xfrm>
           <a:prstGeom prst="rect">
@@ -5719,7 +5713,7 @@
         </p:nvCxnSpPr>
         <p:spPr>
           <a:xfrm>
-            <a:off x="12554779" y="3108271"/>
+            <a:off x="12550610" y="2917371"/>
             <a:ext cx="8582025" cy="0"/>
           </a:xfrm>
           <a:prstGeom prst="line">
@@ -5750,7 +5744,7 @@
         </p:nvCxnSpPr>
         <p:spPr>
           <a:xfrm>
-            <a:off x="12554781" y="4754313"/>
+            <a:off x="12572828" y="4617906"/>
             <a:ext cx="8582025" cy="0"/>
           </a:xfrm>
           <a:prstGeom prst="line">
@@ -5781,8 +5775,8 @@
         </p:nvSpPr>
         <p:spPr>
           <a:xfrm>
-            <a:off x="1373726" y="35994265"/>
-            <a:ext cx="8269516" cy="6740307"/>
+            <a:off x="1385051" y="36429550"/>
+            <a:ext cx="8269516" cy="6278642"/>
           </a:xfrm>
           <a:prstGeom prst="rect">
             <a:avLst/>
@@ -5820,10 +5814,16 @@
               <a:buAutoNum type="alphaLcParenR"/>
             </a:pPr>
             <a:r>
+              <a:rPr lang="en-US" sz="2400" dirty="0" smtClean="0">
+                <a:latin typeface="Garamond" panose="02020404030301010803" pitchFamily="18" charset="0"/>
+              </a:rPr>
+              <a:t>Computer </a:t>
+            </a:r>
+            <a:r>
               <a:rPr lang="en-US" sz="2400" dirty="0">
                 <a:latin typeface="Garamond" panose="02020404030301010803" pitchFamily="18" charset="0"/>
               </a:rPr>
-              <a:t>Modern computer with proper software downloaded and access to </a:t>
+              <a:t>with proper software downloaded and </a:t>
             </a:r>
             <a:r>
               <a:rPr lang="en-US" sz="2400" dirty="0" smtClean="0">
@@ -5831,6 +5831,9 @@
               </a:rPr>
               <a:t>internet</a:t>
             </a:r>
+            <a:endParaRPr lang="en-US" sz="2400" dirty="0" smtClean="0">
+              <a:latin typeface="Garamond" panose="02020404030301010803" pitchFamily="18" charset="0"/>
+            </a:endParaRPr>
           </a:p>
           <a:p>
             <a:pPr marL="914324" lvl="1" indent="-457200">
@@ -6083,8 +6086,8 @@
         </p:nvSpPr>
         <p:spPr>
           <a:xfrm>
-            <a:off x="12340052" y="5094864"/>
-            <a:ext cx="9011484" cy="5024004"/>
+            <a:off x="12335881" y="4830408"/>
+            <a:ext cx="9011484" cy="5419176"/>
           </a:xfrm>
           <a:prstGeom prst="rect">
             <a:avLst/>
@@ -6130,7 +6133,39 @@
                 <a:ea typeface="Calibri" panose="020F0502020204030204" pitchFamily="34" charset="0"/>
                 <a:cs typeface="Times New Roman" panose="02020603050405020304" pitchFamily="18" charset="0"/>
               </a:rPr>
-              <a:t>Using online databases (primarily hiv.lanl.gov), about 80 different sequences were gathered, with the final trees consisting of 55 sequences. These sequences would then be opened in SeaView, a GUI for viewing sequences, and then aligned using MAFFT and its Fast Fourier Transformations.</a:t>
+              <a:t>Using online databases (primarily </a:t>
+            </a:r>
+            <a:r>
+              <a:rPr lang="en-US" dirty="0">
+                <a:latin typeface="Courier New" panose="02070309020205020404" pitchFamily="49" charset="0"/>
+                <a:ea typeface="Calibri" panose="020F0502020204030204" pitchFamily="34" charset="0"/>
+                <a:cs typeface="Courier New" panose="02070309020205020404" pitchFamily="49" charset="0"/>
+              </a:rPr>
+              <a:t>hiv.lanl.gov</a:t>
+            </a:r>
+            <a:r>
+              <a:rPr lang="en-US" sz="2400" dirty="0">
+                <a:latin typeface="Garamond" panose="02020404030301010803" pitchFamily="18" charset="0"/>
+                <a:ea typeface="Calibri" panose="020F0502020204030204" pitchFamily="34" charset="0"/>
+                <a:cs typeface="Times New Roman" panose="02020603050405020304" pitchFamily="18" charset="0"/>
+              </a:rPr>
+              <a:t>), about 80 different sequences were </a:t>
+            </a:r>
+            <a:r>
+              <a:rPr lang="en-US" sz="2400" dirty="0" smtClean="0">
+                <a:latin typeface="Garamond" panose="02020404030301010803" pitchFamily="18" charset="0"/>
+                <a:ea typeface="Calibri" panose="020F0502020204030204" pitchFamily="34" charset="0"/>
+                <a:cs typeface="Times New Roman" panose="02020603050405020304" pitchFamily="18" charset="0"/>
+              </a:rPr>
+              <a:t>gathered amongst thousands, </a:t>
+            </a:r>
+            <a:r>
+              <a:rPr lang="en-US" sz="2400" dirty="0">
+                <a:latin typeface="Garamond" panose="02020404030301010803" pitchFamily="18" charset="0"/>
+                <a:ea typeface="Calibri" panose="020F0502020204030204" pitchFamily="34" charset="0"/>
+                <a:cs typeface="Times New Roman" panose="02020603050405020304" pitchFamily="18" charset="0"/>
+              </a:rPr>
+              <a:t>with the final trees consisting of 55 sequences. These sequences would then be opened in SeaView, a GUI for viewing sequences, and then aligned using MAFFT and its Fast Fourier Transformations.</a:t>
             </a:r>
             <a:endParaRPr lang="en-US" sz="2400" dirty="0">
               <a:latin typeface="Calibri" panose="020F0502020204030204" pitchFamily="34" charset="0"/>
@@ -6263,7 +6298,7 @@
         <p:spPr>
           <a:xfrm>
             <a:off x="22499886" y="3259273"/>
-            <a:ext cx="9292364" cy="6310958"/>
+            <a:ext cx="9292364" cy="6808723"/>
           </a:xfrm>
           <a:prstGeom prst="rect">
             <a:avLst/>
@@ -6344,7 +6379,23 @@
                 <a:ea typeface="Calibri" panose="020F0502020204030204" pitchFamily="34" charset="0"/>
                 <a:cs typeface="Times New Roman" panose="02020603050405020304" pitchFamily="18" charset="0"/>
               </a:rPr>
-              <a:t> chain was specified at 20,000,000 and a strict </a:t>
+              <a:t> chain was specified at </a:t>
+            </a:r>
+            <a:r>
+              <a:rPr lang="en-US" sz="2400" dirty="0" smtClean="0">
+                <a:latin typeface="Garamond" panose="02020404030301010803" pitchFamily="18" charset="0"/>
+                <a:ea typeface="Calibri" panose="020F0502020204030204" pitchFamily="34" charset="0"/>
+                <a:cs typeface="Times New Roman" panose="02020603050405020304" pitchFamily="18" charset="0"/>
+              </a:rPr>
+              <a:t>120,000,000 </a:t>
+            </a:r>
+            <a:r>
+              <a:rPr lang="en-US" sz="2400" dirty="0">
+                <a:latin typeface="Garamond" panose="02020404030301010803" pitchFamily="18" charset="0"/>
+                <a:ea typeface="Calibri" panose="020F0502020204030204" pitchFamily="34" charset="0"/>
+                <a:cs typeface="Times New Roman" panose="02020603050405020304" pitchFamily="18" charset="0"/>
+              </a:rPr>
+              <a:t>and a strict </a:t>
             </a:r>
             <a:r>
               <a:rPr lang="en-US" sz="2400" b="1" dirty="0">
@@ -6360,9 +6411,33 @@
                 <a:ea typeface="Calibri" panose="020F0502020204030204" pitchFamily="34" charset="0"/>
                 <a:cs typeface="Times New Roman" panose="02020603050405020304" pitchFamily="18" charset="0"/>
               </a:rPr>
-              <a:t>was used. Each of the 20,000 trees produced by the BEAST run was weighted based on its posterior probability, and the best tree was annotated using another program called TreeAnnotator. The annotated tree was then viewed in FigTree, and statistical results from the MCMC analysis was viewed in Tracer.</a:t>
-            </a:r>
-            <a:endParaRPr lang="en-US" sz="2400" dirty="0">
+              <a:t>was used. Each of the 20,000 trees produced by the BEAST run was weighted based on its posterior probability, and the best tree was annotated using another program called TreeAnnotator. The annotated tree was then viewed in FigTree, and statistical results from the MCMC analysis was viewed in Tracer</a:t>
+            </a:r>
+            <a:r>
+              <a:rPr lang="en-US" sz="2400" dirty="0" smtClean="0">
+                <a:latin typeface="Garamond" panose="02020404030301010803" pitchFamily="18" charset="0"/>
+                <a:ea typeface="Calibri" panose="020F0502020204030204" pitchFamily="34" charset="0"/>
+                <a:cs typeface="Times New Roman" panose="02020603050405020304" pitchFamily="18" charset="0"/>
+              </a:rPr>
+              <a:t>.</a:t>
+            </a:r>
+          </a:p>
+          <a:p>
+            <a:pPr marL="457200" marR="0" algn="just">
+              <a:lnSpc>
+                <a:spcPct val="107000"/>
+              </a:lnSpc>
+              <a:spcBef>
+                <a:spcPts val="0"/>
+              </a:spcBef>
+              <a:spcAft>
+                <a:spcPts val="800"/>
+              </a:spcAft>
+              <a:tabLst>
+                <a:tab pos="457200" algn="l"/>
+              </a:tabLst>
+            </a:pPr>
+            <a:endParaRPr lang="en-US" sz="1000" dirty="0">
               <a:latin typeface="Calibri" panose="020F0502020204030204" pitchFamily="34" charset="0"/>
               <a:ea typeface="Calibri" panose="020F0502020204030204" pitchFamily="34" charset="0"/>
               <a:cs typeface="Times New Roman" panose="02020603050405020304" pitchFamily="18" charset="0"/>
@@ -6830,7 +6905,23 @@
                 <a:ea typeface="Calibri" panose="020F0502020204030204" pitchFamily="34" charset="0"/>
                 <a:cs typeface="Times New Roman" panose="02020603050405020304" pitchFamily="18" charset="0"/>
               </a:rPr>
-              <a:t>colored box represents a clade, a group of organisms that share a common ancestor. The big blue box represents the clade that contains all of the HIV-1 sequences, the pale box represents the clade that contains all of the HIV-2 sequences, and other clades are colored for comparison and labeling purposes.</a:t>
+              <a:t>colored box represents a clade, a group of organisms that share a common ancestor. The big blue box represents the clade that contains all of the HIV-1 sequences, the pale box represents the clade that contains all of the HIV-2 </a:t>
+            </a:r>
+            <a:r>
+              <a:rPr lang="en-US" sz="2400" dirty="0">
+                <a:latin typeface="Garamond" panose="02020404030301010803" pitchFamily="18" charset="0"/>
+                <a:ea typeface="Calibri" panose="020F0502020204030204" pitchFamily="34" charset="0"/>
+                <a:cs typeface="Times New Roman" panose="02020603050405020304" pitchFamily="18" charset="0"/>
+              </a:rPr>
+              <a:t>sequence, sand </a:t>
+            </a:r>
+            <a:r>
+              <a:rPr lang="en-US" sz="2400" dirty="0">
+                <a:latin typeface="Garamond" panose="02020404030301010803" pitchFamily="18" charset="0"/>
+                <a:ea typeface="Calibri" panose="020F0502020204030204" pitchFamily="34" charset="0"/>
+                <a:cs typeface="Times New Roman" panose="02020603050405020304" pitchFamily="18" charset="0"/>
+              </a:rPr>
+              <a:t>other clades are colored for comparison and labeling purposes.</a:t>
             </a:r>
             <a:endParaRPr lang="en-US" sz="2400" dirty="0">
               <a:effectLst/>
@@ -7055,7 +7146,7 @@
         </p:nvSpPr>
         <p:spPr>
           <a:xfrm>
-            <a:off x="12572828" y="13658880"/>
+            <a:off x="12454441" y="13658880"/>
             <a:ext cx="6833058" cy="1896733"/>
           </a:xfrm>
           <a:prstGeom prst="rect">
@@ -7104,7 +7195,7 @@
               </a:rPr>
               <a:t>A</a:t>
             </a:r>
-            <a:endParaRPr lang="en-US" sz="3200" dirty="0">
+            <a:endParaRPr lang="en-US" sz="3200" dirty="0" smtClean="0">
               <a:effectLst/>
               <a:latin typeface="Calibri" panose="020F0502020204030204" pitchFamily="34" charset="0"/>
               <a:ea typeface="Calibri" panose="020F0502020204030204" pitchFamily="34" charset="0"/>
@@ -7333,7 +7424,7 @@
         <p:spPr>
           <a:xfrm>
             <a:off x="34169649" y="2917371"/>
-            <a:ext cx="8269517" cy="17989540"/>
+            <a:ext cx="8269517" cy="18774370"/>
           </a:xfrm>
           <a:prstGeom prst="rect">
             <a:avLst/>
@@ -7374,8 +7465,8 @@
                 <a:spcPts val="800"/>
               </a:spcAft>
             </a:pPr>
-            <a:endParaRPr lang="en-US" sz="2400" dirty="0">
-              <a:latin typeface="Calibri" panose="020F0502020204030204" pitchFamily="34" charset="0"/>
+            <a:endParaRPr lang="en-US" sz="1000" b="1" dirty="0">
+              <a:latin typeface="Garamond" panose="02020404030301010803" pitchFamily="18" charset="0"/>
               <a:ea typeface="Calibri" panose="020F0502020204030204" pitchFamily="34" charset="0"/>
               <a:cs typeface="Times New Roman" panose="02020603050405020304" pitchFamily="18" charset="0"/>
             </a:endParaRPr>
@@ -7387,12 +7478,20 @@
               </a:spcAft>
             </a:pPr>
             <a:r>
+              <a:rPr lang="en-US" sz="2400" b="1" dirty="0" smtClean="0">
+                <a:latin typeface="Garamond" panose="02020404030301010803" pitchFamily="18" charset="0"/>
+                <a:ea typeface="Calibri" panose="020F0502020204030204" pitchFamily="34" charset="0"/>
+                <a:cs typeface="Times New Roman" panose="02020603050405020304" pitchFamily="18" charset="0"/>
+              </a:rPr>
+              <a:t>Production </a:t>
+            </a:r>
+            <a:r>
               <a:rPr lang="en-US" sz="2400" b="1" dirty="0">
                 <a:latin typeface="Garamond" panose="02020404030301010803" pitchFamily="18" charset="0"/>
                 <a:ea typeface="Calibri" panose="020F0502020204030204" pitchFamily="34" charset="0"/>
                 <a:cs typeface="Times New Roman" panose="02020603050405020304" pitchFamily="18" charset="0"/>
               </a:rPr>
-              <a:t>Production of Trees With A Specific Region and High Bootstrap/Posterior Probability.</a:t>
+              <a:t>of Trees With A Specific Region and High Bootstrap/Posterior Probability.</a:t>
             </a:r>
             <a:r>
               <a:rPr lang="en-US" sz="2400" dirty="0">
@@ -7410,6 +7509,30 @@
               </a:rPr>
               <a:t> </a:t>
             </a:r>
+          </a:p>
+          <a:p>
+            <a:pPr algn="just">
+              <a:spcAft>
+                <a:spcPts val="800"/>
+              </a:spcAft>
+            </a:pPr>
+            <a:endParaRPr lang="en-US" sz="1000" b="1" dirty="0" smtClean="0">
+              <a:latin typeface="Garamond" panose="02020404030301010803" pitchFamily="18" charset="0"/>
+              <a:ea typeface="Calibri" panose="020F0502020204030204" pitchFamily="34" charset="0"/>
+              <a:cs typeface="Times New Roman" panose="02020603050405020304" pitchFamily="18" charset="0"/>
+            </a:endParaRPr>
+          </a:p>
+          <a:p>
+            <a:pPr algn="just">
+              <a:spcAft>
+                <a:spcPts val="800"/>
+              </a:spcAft>
+            </a:pPr>
+            <a:endParaRPr lang="en-US" sz="2400" b="1" dirty="0">
+              <a:latin typeface="Garamond" panose="02020404030301010803" pitchFamily="18" charset="0"/>
+              <a:ea typeface="Calibri" panose="020F0502020204030204" pitchFamily="34" charset="0"/>
+              <a:cs typeface="Times New Roman" panose="02020603050405020304" pitchFamily="18" charset="0"/>
+            </a:endParaRPr>
           </a:p>
           <a:p>
             <a:pPr algn="just">
@@ -7501,30 +7624,6 @@
                 <a:spcPts val="800"/>
               </a:spcAft>
             </a:pPr>
-            <a:endParaRPr lang="en-US" sz="2400" b="1" dirty="0">
-              <a:latin typeface="Garamond" panose="02020404030301010803" pitchFamily="18" charset="0"/>
-              <a:ea typeface="Calibri" panose="020F0502020204030204" pitchFamily="34" charset="0"/>
-              <a:cs typeface="Times New Roman" panose="02020603050405020304" pitchFamily="18" charset="0"/>
-            </a:endParaRPr>
-          </a:p>
-          <a:p>
-            <a:pPr algn="just">
-              <a:spcAft>
-                <a:spcPts val="800"/>
-              </a:spcAft>
-            </a:pPr>
-            <a:endParaRPr lang="en-US" sz="2400" b="1" dirty="0" smtClean="0">
-              <a:latin typeface="Garamond" panose="02020404030301010803" pitchFamily="18" charset="0"/>
-              <a:ea typeface="Calibri" panose="020F0502020204030204" pitchFamily="34" charset="0"/>
-              <a:cs typeface="Times New Roman" panose="02020603050405020304" pitchFamily="18" charset="0"/>
-            </a:endParaRPr>
-          </a:p>
-          <a:p>
-            <a:pPr algn="just">
-              <a:spcAft>
-                <a:spcPts val="800"/>
-              </a:spcAft>
-            </a:pPr>
             <a:endParaRPr lang="en-US" sz="2400" b="1" dirty="0" smtClean="0">
               <a:latin typeface="Garamond" panose="02020404030301010803" pitchFamily="18" charset="0"/>
               <a:ea typeface="Calibri" panose="020F0502020204030204" pitchFamily="34" charset="0"/>
@@ -7561,7 +7660,7 @@
                 <a:spcPts val="800"/>
               </a:spcAft>
             </a:pPr>
-            <a:endParaRPr lang="en-US" sz="1000" b="1" dirty="0" smtClean="0">
+            <a:endParaRPr lang="en-US" sz="100" b="1" dirty="0">
               <a:latin typeface="Garamond" panose="02020404030301010803" pitchFamily="18" charset="0"/>
               <a:ea typeface="Calibri" panose="020F0502020204030204" pitchFamily="34" charset="0"/>
               <a:cs typeface="Times New Roman" panose="02020603050405020304" pitchFamily="18" charset="0"/>
@@ -7612,7 +7711,7 @@
                 <a:spcPts val="800"/>
               </a:spcAft>
             </a:pPr>
-            <a:endParaRPr lang="en-US" dirty="0">
+            <a:endParaRPr lang="en-US" sz="1000" dirty="0">
               <a:latin typeface="Calibri" panose="020F0502020204030204" pitchFamily="34" charset="0"/>
               <a:ea typeface="Calibri" panose="020F0502020204030204" pitchFamily="34" charset="0"/>
               <a:cs typeface="Times New Roman" panose="02020603050405020304" pitchFamily="18" charset="0"/>
@@ -7655,7 +7754,7 @@
                 <a:spcPts val="800"/>
               </a:spcAft>
             </a:pPr>
-            <a:endParaRPr lang="en-US" sz="2000" dirty="0">
+            <a:endParaRPr lang="en-US" sz="1000" dirty="0">
               <a:latin typeface="Calibri" panose="020F0502020204030204" pitchFamily="34" charset="0"/>
               <a:ea typeface="Calibri" panose="020F0502020204030204" pitchFamily="34" charset="0"/>
               <a:cs typeface="Times New Roman" panose="02020603050405020304" pitchFamily="18" charset="0"/>
@@ -7673,15 +7772,31 @@
                 <a:ea typeface="Calibri" panose="020F0502020204030204" pitchFamily="34" charset="0"/>
                 <a:cs typeface="Times New Roman" panose="02020603050405020304" pitchFamily="18" charset="0"/>
               </a:rPr>
-              <a:t>New Dates of Divergence for the Viruses. </a:t>
-            </a:r>
-            <a:r>
-              <a:rPr lang="en-US" sz="2400" dirty="0">
-                <a:latin typeface="Garamond" panose="02020404030301010803" pitchFamily="18" charset="0"/>
-                <a:ea typeface="Calibri" panose="020F0502020204030204" pitchFamily="34" charset="0"/>
-                <a:cs typeface="Times New Roman" panose="02020603050405020304" pitchFamily="18" charset="0"/>
-              </a:rPr>
-              <a:t>My BEAST tree also gives us dates of divergence, or approximate times where two species branched off. It sets the HIV-1 to human date at ~1905, and the HIV-2 to human date at ~1910, both far earlier than the current models, yet again changing our ideas behind the viruses.</a:t>
+              <a:t>New </a:t>
+            </a:r>
+            <a:r>
+              <a:rPr lang="en-US" sz="2400" b="1" dirty="0" smtClean="0">
+                <a:latin typeface="Garamond" panose="02020404030301010803" pitchFamily="18" charset="0"/>
+                <a:ea typeface="Calibri" panose="020F0502020204030204" pitchFamily="34" charset="0"/>
+                <a:cs typeface="Times New Roman" panose="02020603050405020304" pitchFamily="18" charset="0"/>
+              </a:rPr>
+              <a:t>Geographic Routes of Transmission for HIV-1 Type O. </a:t>
+            </a:r>
+            <a:r>
+              <a:rPr lang="en-US" sz="2400" dirty="0" smtClean="0">
+                <a:latin typeface="Garamond" panose="02020404030301010803" pitchFamily="18" charset="0"/>
+                <a:ea typeface="Calibri" panose="020F0502020204030204" pitchFamily="34" charset="0"/>
+                <a:cs typeface="Times New Roman" panose="02020603050405020304" pitchFamily="18" charset="0"/>
+              </a:rPr>
+              <a:t>Both trees support a connection between more recent HIV-1 Type O strains from Gabon and Senegal (both West Africa) and a split from the oldest known strain of HIV-1 Type O, found in Cameroon (closer to Central Africa). </a:t>
+            </a:r>
+            <a:r>
+              <a:rPr lang="en-US" sz="2400" dirty="0" smtClean="0">
+                <a:latin typeface="Garamond" panose="02020404030301010803" pitchFamily="18" charset="0"/>
+                <a:ea typeface="Calibri" panose="020F0502020204030204" pitchFamily="34" charset="0"/>
+                <a:cs typeface="Times New Roman" panose="02020603050405020304" pitchFamily="18" charset="0"/>
+              </a:rPr>
+              <a:t>This provides evidence for the new idea that HIV-1 Type O originated in Cameroon, mutated, and was spread to West African countries in a slightly different form. From these two locations, HIV-1 Type O has not made much of an impact in other regions, albeit a couple cases in France and Western Europe.</a:t>
             </a:r>
             <a:endParaRPr lang="en-US" sz="2400" dirty="0">
               <a:latin typeface="Calibri" panose="020F0502020204030204" pitchFamily="34" charset="0"/>
@@ -7716,7 +7831,7 @@
         </p:blipFill>
         <p:spPr bwMode="auto">
           <a:xfrm>
-            <a:off x="37313420" y="7486749"/>
+            <a:off x="37357868" y="6946342"/>
             <a:ext cx="5081298" cy="3325774"/>
           </a:xfrm>
           <a:prstGeom prst="rect">
@@ -7736,7 +7851,7 @@
         </p:nvSpPr>
         <p:spPr>
           <a:xfrm>
-            <a:off x="34207773" y="7533523"/>
+            <a:off x="34207773" y="7235631"/>
             <a:ext cx="2779789" cy="3785652"/>
           </a:xfrm>
           <a:prstGeom prst="rect">
@@ -7794,8 +7909,8 @@
         </p:nvSpPr>
         <p:spPr>
           <a:xfrm>
-            <a:off x="34207773" y="11189669"/>
-            <a:ext cx="8231393" cy="1477328"/>
+            <a:off x="34219351" y="10869044"/>
+            <a:ext cx="8231393" cy="1354217"/>
           </a:xfrm>
           <a:prstGeom prst="rect">
             <a:avLst/>
@@ -7831,7 +7946,7 @@
             </a:endParaRPr>
           </a:p>
           <a:p>
-            <a:endParaRPr lang="en-US" dirty="0"/>
+            <a:endParaRPr lang="en-US" sz="900" dirty="0"/>
           </a:p>
         </p:txBody>
       </p:sp>
@@ -7843,7 +7958,7 @@
         </p:nvSpPr>
         <p:spPr>
           <a:xfrm>
-            <a:off x="34097171" y="24354687"/>
+            <a:off x="34080754" y="24619478"/>
             <a:ext cx="8626472" cy="7572842"/>
           </a:xfrm>
           <a:prstGeom prst="rect">
@@ -8262,7 +8377,7 @@
         </p:blipFill>
         <p:spPr bwMode="auto">
           <a:xfrm>
-            <a:off x="34301704" y="26803349"/>
+            <a:off x="34322452" y="27128627"/>
             <a:ext cx="4012595" cy="1769248"/>
           </a:xfrm>
           <a:prstGeom prst="rect">
@@ -8295,7 +8410,7 @@
         </p:blipFill>
         <p:spPr>
           <a:xfrm>
-            <a:off x="38616882" y="26803349"/>
+            <a:off x="38787668" y="27128627"/>
             <a:ext cx="4154042" cy="1769247"/>
           </a:xfrm>
           <a:prstGeom prst="rect">
@@ -8493,8 +8608,8 @@
         </p:nvSpPr>
         <p:spPr>
           <a:xfrm>
-            <a:off x="1290753" y="2639429"/>
-            <a:ext cx="8582025" cy="3485570"/>
+            <a:off x="1283875" y="2561850"/>
+            <a:ext cx="8582025" cy="3816429"/>
           </a:xfrm>
           <a:prstGeom prst="rect">
             <a:avLst/>
@@ -8511,32 +8626,101 @@
               <a:rPr lang="en-US" sz="2400" dirty="0" smtClean="0">
                 <a:latin typeface="Garamond" panose="02020404030301010803" pitchFamily="18" charset="0"/>
               </a:rPr>
-              <a:t>After close inspection of more than 30 research papers detailing the evolutionary history of the HIV virus, it was discovered that almost all of them singularly mapped the history of HIV strains prevalent in the Western World and that every paper lacked adequate support for the trees created.</a:t>
-            </a:r>
-          </a:p>
-          <a:p>
-            <a:endParaRPr lang="en-US" sz="800" dirty="0" smtClean="0">
+              <a:t>After close inspection of more than thirty research papers detailing the evolutionary history of th</a:t>
+            </a:r>
+            <a:r>
+              <a:rPr lang="en-US" sz="2400" dirty="0" smtClean="0">
+                <a:latin typeface="Garamond" panose="02020404030301010803" pitchFamily="18" charset="0"/>
+              </a:rPr>
+              <a:t>e HIV virus, it was discovered both that very few mapped the history of HIV strains prevalent in the densely populated region of West Africa and </a:t>
+            </a:r>
+            <a:r>
+              <a:rPr lang="en-US" sz="2400" dirty="0">
+                <a:latin typeface="Garamond" panose="02020404030301010803" pitchFamily="18" charset="0"/>
+              </a:rPr>
+              <a:t>that every paper lacked adequate support for the trees created</a:t>
+            </a:r>
+            <a:r>
+              <a:rPr lang="en-US" sz="2400" dirty="0" smtClean="0">
+                <a:latin typeface="Garamond" panose="02020404030301010803" pitchFamily="18" charset="0"/>
+              </a:rPr>
+              <a:t>.</a:t>
+            </a:r>
+            <a:endParaRPr lang="en-US" sz="2400" dirty="0">
               <a:latin typeface="Garamond" panose="02020404030301010803" pitchFamily="18" charset="0"/>
             </a:endParaRPr>
           </a:p>
           <a:p>
+            <a:endParaRPr lang="en-US" sz="1000" dirty="0" smtClean="0">
+              <a:latin typeface="Garamond" panose="02020404030301010803" pitchFamily="18" charset="0"/>
+            </a:endParaRPr>
+          </a:p>
+          <a:p>
             <a:r>
               <a:rPr lang="en-US" sz="2400" b="1" dirty="0" smtClean="0">
                 <a:latin typeface="Garamond" panose="02020404030301010803" pitchFamily="18" charset="0"/>
               </a:rPr>
-              <a:t>By examining </a:t>
+              <a:t>By </a:t>
             </a:r>
             <a:r>
               <a:rPr lang="en-US" sz="2400" b="1" dirty="0" smtClean="0">
                 <a:latin typeface="Garamond" panose="02020404030301010803" pitchFamily="18" charset="0"/>
               </a:rPr>
-              <a:t>specific HIV-1 </a:t>
+              <a:t>examining lesser studied HIV-1 </a:t>
             </a:r>
             <a:r>
               <a:rPr lang="en-US" sz="2400" b="1" dirty="0" smtClean="0">
                 <a:latin typeface="Garamond" panose="02020404030301010803" pitchFamily="18" charset="0"/>
               </a:rPr>
-              <a:t>and the lesser studied HIV-2 strains with a unique focus on Western Africa countries, can new relationships be found and backed using well-supported trees?</a:t>
+              <a:t>and </a:t>
+            </a:r>
+            <a:r>
+              <a:rPr lang="en-US" sz="2400" b="1" dirty="0" smtClean="0">
+                <a:latin typeface="Garamond" panose="02020404030301010803" pitchFamily="18" charset="0"/>
+              </a:rPr>
+              <a:t>HIV-2 </a:t>
+            </a:r>
+            <a:r>
+              <a:rPr lang="en-US" sz="2400" b="1" dirty="0" smtClean="0">
+                <a:latin typeface="Garamond" panose="02020404030301010803" pitchFamily="18" charset="0"/>
+              </a:rPr>
+              <a:t>strains with a unique </a:t>
+            </a:r>
+            <a:r>
+              <a:rPr lang="en-US" sz="2400" b="1" dirty="0" smtClean="0">
+                <a:latin typeface="Garamond" panose="02020404030301010803" pitchFamily="18" charset="0"/>
+              </a:rPr>
+              <a:t>regional focus </a:t>
+            </a:r>
+            <a:r>
+              <a:rPr lang="en-US" sz="2400" b="1" dirty="0" smtClean="0">
+                <a:latin typeface="Garamond" panose="02020404030301010803" pitchFamily="18" charset="0"/>
+              </a:rPr>
+              <a:t>on Western </a:t>
+            </a:r>
+            <a:r>
+              <a:rPr lang="en-US" sz="2400" b="1" dirty="0" smtClean="0">
+                <a:latin typeface="Garamond" panose="02020404030301010803" pitchFamily="18" charset="0"/>
+              </a:rPr>
+              <a:t>Africa, </a:t>
+            </a:r>
+            <a:r>
+              <a:rPr lang="en-US" sz="2400" b="1" dirty="0" smtClean="0">
+                <a:latin typeface="Garamond" panose="02020404030301010803" pitchFamily="18" charset="0"/>
+              </a:rPr>
+              <a:t>can </a:t>
+            </a:r>
+            <a:r>
+              <a:rPr lang="en-US" sz="2400" b="1" dirty="0" smtClean="0">
+                <a:latin typeface="Garamond" panose="02020404030301010803" pitchFamily="18" charset="0"/>
+              </a:rPr>
+              <a:t>new evolutionary and geographic </a:t>
+            </a:r>
+            <a:r>
+              <a:rPr lang="en-US" sz="2400" b="1" dirty="0" smtClean="0">
+                <a:latin typeface="Garamond" panose="02020404030301010803" pitchFamily="18" charset="0"/>
+              </a:rPr>
+              <a:t>relationships be found and backed using well-supported trees?</a:t>
             </a:r>
             <a:endParaRPr lang="en-US" sz="2400" b="1" dirty="0">
               <a:latin typeface="Garamond" panose="02020404030301010803" pitchFamily="18" charset="0"/>
@@ -8586,7 +8770,7 @@
         </p:nvSpPr>
         <p:spPr>
           <a:xfrm>
-            <a:off x="6549699" y="16714424"/>
+            <a:off x="6437767" y="16578654"/>
             <a:ext cx="3270576" cy="261610"/>
           </a:xfrm>
           <a:prstGeom prst="rect">
@@ -8617,7 +8801,7 @@
         </p:nvSpPr>
         <p:spPr>
           <a:xfrm>
-            <a:off x="1339285" y="22053693"/>
+            <a:off x="1356415" y="21917475"/>
             <a:ext cx="3270576" cy="261610"/>
           </a:xfrm>
           <a:prstGeom prst="rect">
@@ -8647,7 +8831,7 @@
         </p:nvSpPr>
         <p:spPr>
           <a:xfrm>
-            <a:off x="38218781" y="10835715"/>
+            <a:off x="38263229" y="10392256"/>
             <a:ext cx="3270576" cy="261610"/>
           </a:xfrm>
           <a:prstGeom prst="rect">
@@ -8677,7 +8861,7 @@
         </p:nvSpPr>
         <p:spPr>
           <a:xfrm>
-            <a:off x="34634790" y="28591171"/>
+            <a:off x="34634790" y="28909370"/>
             <a:ext cx="3270576" cy="261610"/>
           </a:xfrm>
           <a:prstGeom prst="rect">
@@ -8707,7 +8891,7 @@
         </p:nvSpPr>
         <p:spPr>
           <a:xfrm>
-            <a:off x="38971508" y="28572447"/>
+            <a:off x="39058615" y="28962003"/>
             <a:ext cx="3270576" cy="261610"/>
           </a:xfrm>
           <a:prstGeom prst="rect">
@@ -8726,6 +8910,144 @@
               <a:rPr lang="en-US" sz="1100" dirty="0" smtClean="0"/>
               <a:t>Source: iup.edu</a:t>
             </a:r>
+          </a:p>
+        </p:txBody>
+      </p:sp>
+      <p:pic>
+        <p:nvPicPr>
+          <p:cNvPr id="18" name="Picture 17"/>
+          <p:cNvPicPr>
+            <a:picLocks noChangeAspect="1"/>
+          </p:cNvPicPr>
+          <p:nvPr/>
+        </p:nvPicPr>
+        <p:blipFill rotWithShape="1">
+          <a:blip r:embed="rId11"/>
+          <a:srcRect r="7528"/>
+          <a:stretch/>
+        </p:blipFill>
+        <p:spPr>
+          <a:xfrm>
+            <a:off x="6116749" y="12537364"/>
+            <a:ext cx="3831452" cy="3922776"/>
+          </a:xfrm>
+          <a:prstGeom prst="rect">
+            <a:avLst/>
+          </a:prstGeom>
+        </p:spPr>
+      </p:pic>
+      <p:sp>
+        <p:nvSpPr>
+          <p:cNvPr id="7" name="TextBox 6"/>
+          <p:cNvSpPr txBox="1"/>
+          <p:nvPr/>
+        </p:nvSpPr>
+        <p:spPr>
+          <a:xfrm>
+            <a:off x="6210721" y="13606119"/>
+            <a:ext cx="1645920" cy="1188720"/>
+          </a:xfrm>
+          <a:prstGeom prst="rect">
+            <a:avLst/>
+          </a:prstGeom>
+          <a:noFill/>
+          <a:ln w="19050">
+            <a:solidFill>
+              <a:schemeClr val="tx1"/>
+            </a:solidFill>
+          </a:ln>
+        </p:spPr>
+        <p:txBody>
+          <a:bodyPr wrap="square" rtlCol="0">
+            <a:spAutoFit/>
+          </a:bodyPr>
+          <a:lstStyle/>
+          <a:p>
+            <a:endParaRPr lang="en-US" dirty="0"/>
+          </a:p>
+        </p:txBody>
+      </p:sp>
+      <p:sp>
+        <p:nvSpPr>
+          <p:cNvPr id="10" name="TextBox 9"/>
+          <p:cNvSpPr txBox="1"/>
+          <p:nvPr/>
+        </p:nvSpPr>
+        <p:spPr>
+          <a:xfrm>
+            <a:off x="6445478" y="14424979"/>
+            <a:ext cx="1176406" cy="261610"/>
+          </a:xfrm>
+          <a:prstGeom prst="rect">
+            <a:avLst/>
+          </a:prstGeom>
+          <a:noFill/>
+        </p:spPr>
+        <p:txBody>
+          <a:bodyPr wrap="square" rtlCol="0">
+            <a:spAutoFit/>
+          </a:bodyPr>
+          <a:lstStyle/>
+          <a:p>
+            <a:pPr algn="ctr"/>
+            <a:r>
+              <a:rPr lang="en-US" sz="1100" dirty="0" smtClean="0"/>
+              <a:t>Area of Research</a:t>
+            </a:r>
+            <a:endParaRPr lang="en-US" sz="1100" dirty="0"/>
+          </a:p>
+        </p:txBody>
+      </p:sp>
+      <p:sp>
+        <p:nvSpPr>
+          <p:cNvPr id="19" name="TextBox 18"/>
+          <p:cNvSpPr txBox="1"/>
+          <p:nvPr/>
+        </p:nvSpPr>
+        <p:spPr>
+          <a:xfrm>
+            <a:off x="6301100" y="15125859"/>
+            <a:ext cx="1465161" cy="1015663"/>
+          </a:xfrm>
+          <a:prstGeom prst="rect">
+            <a:avLst/>
+          </a:prstGeom>
+          <a:noFill/>
+        </p:spPr>
+        <p:txBody>
+          <a:bodyPr wrap="square" rtlCol="0">
+            <a:spAutoFit/>
+          </a:bodyPr>
+          <a:lstStyle/>
+          <a:p>
+            <a:pPr algn="ctr"/>
+            <a:r>
+              <a:rPr lang="en-US" sz="2000" b="1" dirty="0" smtClean="0">
+                <a:latin typeface="Garamond" panose="02020404030301010803" pitchFamily="18" charset="0"/>
+              </a:rPr>
+              <a:t>African</a:t>
+            </a:r>
+          </a:p>
+          <a:p>
+            <a:pPr algn="ctr"/>
+            <a:r>
+              <a:rPr lang="en-US" sz="2000" b="1" dirty="0" smtClean="0">
+                <a:latin typeface="Garamond" panose="02020404030301010803" pitchFamily="18" charset="0"/>
+              </a:rPr>
+              <a:t>Population</a:t>
+            </a:r>
+          </a:p>
+          <a:p>
+            <a:pPr algn="ctr"/>
+            <a:r>
+              <a:rPr lang="en-US" sz="2000" b="1" dirty="0" smtClean="0">
+                <a:latin typeface="Garamond" panose="02020404030301010803" pitchFamily="18" charset="0"/>
+              </a:rPr>
+              <a:t>Density</a:t>
+            </a:r>
+            <a:endParaRPr lang="en-US" sz="2000" b="1" dirty="0">
+              <a:latin typeface="Garamond" panose="02020404030301010803" pitchFamily="18" charset="0"/>
+            </a:endParaRPr>
           </a:p>
         </p:txBody>
       </p:sp>
